--- a/Brand Comparison PP.pptx
+++ b/Brand Comparison PP.pptx
@@ -5,7 +5,7 @@
     <p:sldMasterId id="2147483648" r:id="rId1"/>
   </p:sldMasterIdLst>
   <p:notesMasterIdLst>
-    <p:notesMasterId r:id="rId11"/>
+    <p:notesMasterId r:id="rId12"/>
   </p:notesMasterIdLst>
   <p:sldIdLst>
     <p:sldId id="256" r:id="rId2"/>
@@ -17,6 +17,7 @@
     <p:sldId id="262" r:id="rId8"/>
     <p:sldId id="263" r:id="rId9"/>
     <p:sldId id="264" r:id="rId10"/>
+    <p:sldId id="265" r:id="rId11"/>
   </p:sldIdLst>
   <p:sldSz cx="12192000" cy="6858000"/>
   <p:notesSz cx="6858000" cy="9144000"/>
@@ -115,6 +116,11 @@
       </a:defRPr>
     </a:lvl9pPr>
   </p:defaultTextStyle>
+  <p:extLst>
+    <p:ext uri="{EFAFB233-063F-42B5-8137-9DF3F51BA10A}">
+      <p15:sldGuideLst xmlns:p15="http://schemas.microsoft.com/office/powerpoint/2012/main"/>
+    </p:ext>
+  </p:extLst>
 </p:presentation>
 </file>
 
@@ -4872,6 +4878,119 @@
     <p:extLst>
       <p:ext uri="{BB962C8B-B14F-4D97-AF65-F5344CB8AC3E}">
         <p14:creationId xmlns:p14="http://schemas.microsoft.com/office/powerpoint/2010/main" val="1113821757"/>
+      </p:ext>
+    </p:extLst>
+  </p:cSld>
+  <p:clrMapOvr>
+    <a:masterClrMapping/>
+  </p:clrMapOvr>
+</p:sld>
+</file>
+
+<file path=ppt/slides/slide10.xml><?xml version="1.0" encoding="utf-8"?>
+<p:sld xmlns:a="http://schemas.openxmlformats.org/drawingml/2006/main" xmlns:r="http://schemas.openxmlformats.org/officeDocument/2006/relationships" xmlns:p="http://schemas.openxmlformats.org/presentationml/2006/main">
+  <p:cSld>
+    <p:spTree>
+      <p:nvGrpSpPr>
+        <p:cNvPr id="1" name=""/>
+        <p:cNvGrpSpPr/>
+        <p:nvPr/>
+      </p:nvGrpSpPr>
+      <p:grpSpPr>
+        <a:xfrm>
+          <a:off x="0" y="0"/>
+          <a:ext cx="0" cy="0"/>
+          <a:chOff x="0" y="0"/>
+          <a:chExt cx="0" cy="0"/>
+        </a:xfrm>
+      </p:grpSpPr>
+      <p:sp>
+        <p:nvSpPr>
+          <p:cNvPr id="2" name="Title 1">
+            <a:extLst>
+              <a:ext uri="{FF2B5EF4-FFF2-40B4-BE49-F238E27FC236}">
+                <a16:creationId xmlns:a16="http://schemas.microsoft.com/office/drawing/2014/main" id="{B08A06D0-BC24-4D7B-A258-1ED7D80EC3E9}"/>
+              </a:ext>
+            </a:extLst>
+          </p:cNvPr>
+          <p:cNvSpPr>
+            <a:spLocks noGrp="1"/>
+          </p:cNvSpPr>
+          <p:nvPr>
+            <p:ph type="title"/>
+          </p:nvPr>
+        </p:nvSpPr>
+        <p:spPr/>
+        <p:txBody>
+          <a:bodyPr/>
+          <a:lstStyle/>
+          <a:p>
+            <a:r>
+              <a:rPr lang="en-US" dirty="0"/>
+              <a:t>Potential Future Analysis</a:t>
+            </a:r>
+          </a:p>
+        </p:txBody>
+      </p:sp>
+      <p:sp>
+        <p:nvSpPr>
+          <p:cNvPr id="3" name="Content Placeholder 2">
+            <a:extLst>
+              <a:ext uri="{FF2B5EF4-FFF2-40B4-BE49-F238E27FC236}">
+                <a16:creationId xmlns:a16="http://schemas.microsoft.com/office/drawing/2014/main" id="{96A6A019-673D-433D-BD0D-C3C1A9960AFE}"/>
+              </a:ext>
+            </a:extLst>
+          </p:cNvPr>
+          <p:cNvSpPr>
+            <a:spLocks noGrp="1"/>
+          </p:cNvSpPr>
+          <p:nvPr>
+            <p:ph idx="1"/>
+          </p:nvPr>
+        </p:nvSpPr>
+        <p:spPr/>
+        <p:txBody>
+          <a:bodyPr/>
+          <a:lstStyle/>
+          <a:p>
+            <a:r>
+              <a:rPr lang="en-US" dirty="0"/>
+              <a:t>Add products of the brands and compare products</a:t>
+            </a:r>
+          </a:p>
+          <a:p>
+            <a:r>
+              <a:rPr lang="en-US" dirty="0"/>
+              <a:t>Add more overall attributes</a:t>
+            </a:r>
+          </a:p>
+          <a:p>
+            <a:r>
+              <a:rPr lang="en-US" dirty="0"/>
+              <a:t>Add more brands like Qualcomm and Synopsys </a:t>
+            </a:r>
+          </a:p>
+          <a:p>
+            <a:r>
+              <a:rPr lang="en-US" dirty="0"/>
+              <a:t>Subset attributes by market i.e.  Asia, Europe, US</a:t>
+            </a:r>
+          </a:p>
+          <a:p>
+            <a:r>
+              <a:rPr lang="en-US" dirty="0"/>
+              <a:t>This further analysis will require much more data and from more sources other than twitter</a:t>
+            </a:r>
+          </a:p>
+          <a:p>
+            <a:endParaRPr lang="en-US" dirty="0"/>
+          </a:p>
+        </p:txBody>
+      </p:sp>
+    </p:spTree>
+    <p:extLst>
+      <p:ext uri="{BB962C8B-B14F-4D97-AF65-F5344CB8AC3E}">
+        <p14:creationId xmlns:p14="http://schemas.microsoft.com/office/powerpoint/2010/main" val="4124568774"/>
       </p:ext>
     </p:extLst>
   </p:cSld>

--- a/Brand Comparison PP.pptx
+++ b/Brand Comparison PP.pptx
@@ -4954,31 +4954,31 @@
           <a:lstStyle/>
           <a:p>
             <a:r>
-              <a:rPr lang="en-US" dirty="0"/>
+              <a:rPr lang="en-US" sz="2000" dirty="0"/>
               <a:t>Add products of the brands and compare products</a:t>
             </a:r>
           </a:p>
           <a:p>
             <a:r>
-              <a:rPr lang="en-US" dirty="0"/>
+              <a:rPr lang="en-US" sz="2000" dirty="0"/>
               <a:t>Add more overall attributes</a:t>
             </a:r>
           </a:p>
           <a:p>
             <a:r>
-              <a:rPr lang="en-US" dirty="0"/>
+              <a:rPr lang="en-US" sz="2000" dirty="0"/>
               <a:t>Add more brands like Qualcomm and Synopsys </a:t>
             </a:r>
           </a:p>
           <a:p>
             <a:r>
-              <a:rPr lang="en-US" dirty="0"/>
+              <a:rPr lang="en-US" sz="2000" dirty="0"/>
               <a:t>Subset attributes by market i.e.  Asia, Europe, US</a:t>
             </a:r>
           </a:p>
           <a:p>
             <a:r>
-              <a:rPr lang="en-US" dirty="0"/>
+              <a:rPr lang="en-US" sz="2000" dirty="0"/>
               <a:t>This further analysis will require much more data and from more sources other than twitter</a:t>
             </a:r>
           </a:p>
@@ -6812,7 +6812,7 @@
           <a:p>
             <a:r>
               <a:rPr lang="en-US" dirty="0"/>
-              <a:t>1) Market AMD’s Ryzen processors as out competing Intel’s in both performance, price, and quality</a:t>
+              <a:t>1) Market AMD’s Ryzen processors as out competing Intel’s in both price and quality</a:t>
             </a:r>
           </a:p>
           <a:p>

--- a/Brand Comparison PP.pptx
+++ b/Brand Comparison PP.pptx
@@ -5,19 +5,20 @@
     <p:sldMasterId id="2147483648" r:id="rId1"/>
   </p:sldMasterIdLst>
   <p:notesMasterIdLst>
-    <p:notesMasterId r:id="rId12"/>
+    <p:notesMasterId r:id="rId13"/>
   </p:notesMasterIdLst>
   <p:sldIdLst>
     <p:sldId id="256" r:id="rId2"/>
-    <p:sldId id="257" r:id="rId3"/>
-    <p:sldId id="258" r:id="rId4"/>
-    <p:sldId id="259" r:id="rId5"/>
-    <p:sldId id="260" r:id="rId6"/>
-    <p:sldId id="261" r:id="rId7"/>
-    <p:sldId id="262" r:id="rId8"/>
-    <p:sldId id="263" r:id="rId9"/>
-    <p:sldId id="264" r:id="rId10"/>
-    <p:sldId id="265" r:id="rId11"/>
+    <p:sldId id="266" r:id="rId3"/>
+    <p:sldId id="257" r:id="rId4"/>
+    <p:sldId id="258" r:id="rId5"/>
+    <p:sldId id="259" r:id="rId6"/>
+    <p:sldId id="260" r:id="rId7"/>
+    <p:sldId id="261" r:id="rId8"/>
+    <p:sldId id="262" r:id="rId9"/>
+    <p:sldId id="263" r:id="rId10"/>
+    <p:sldId id="264" r:id="rId11"/>
+    <p:sldId id="265" r:id="rId12"/>
   </p:sldIdLst>
   <p:sldSz cx="12192000" cy="6858000"/>
   <p:notesSz cx="6858000" cy="9144000"/>
@@ -206,7 +207,7 @@
           <a:p>
             <a:fld id="{3B73F399-9E4D-4BCC-830E-296D52FA6984}" type="datetimeFigureOut">
               <a:rPr lang="en-US" smtClean="0"/>
-              <a:t>7/11/2020</a:t>
+              <a:t>7/13/2020</a:t>
             </a:fld>
             <a:endParaRPr lang="en-US"/>
           </a:p>
@@ -548,7 +549,7 @@
           <a:p>
             <a:fld id="{05CF78A3-3423-4BB0-90F3-BEB404B66378}" type="slidenum">
               <a:rPr lang="en-US" smtClean="0"/>
-              <a:t>6</a:t>
+              <a:t>7</a:t>
             </a:fld>
             <a:endParaRPr lang="en-US"/>
           </a:p>
@@ -813,7 +814,7 @@
             <a:fld id="{B61BEF0D-F0BB-DE4B-95CE-6DB70DBA9567}" type="datetimeFigureOut">
               <a:rPr lang="en-US" dirty="0"/>
               <a:pPr/>
-              <a:t>7/11/2020</a:t>
+              <a:t>7/13/2020</a:t>
             </a:fld>
             <a:endParaRPr lang="en-US" dirty="0"/>
           </a:p>
@@ -1072,7 +1073,7 @@
             <a:fld id="{B61BEF0D-F0BB-DE4B-95CE-6DB70DBA9567}" type="datetimeFigureOut">
               <a:rPr lang="en-US" dirty="0"/>
               <a:pPr/>
-              <a:t>7/11/2020</a:t>
+              <a:t>7/13/2020</a:t>
             </a:fld>
             <a:endParaRPr lang="en-US" dirty="0"/>
           </a:p>
@@ -1304,7 +1305,7 @@
             <a:fld id="{B61BEF0D-F0BB-DE4B-95CE-6DB70DBA9567}" type="datetimeFigureOut">
               <a:rPr lang="en-US" dirty="0"/>
               <a:pPr/>
-              <a:t>7/11/2020</a:t>
+              <a:t>7/13/2020</a:t>
             </a:fld>
             <a:endParaRPr lang="en-US" dirty="0"/>
           </a:p>
@@ -1541,7 +1542,7 @@
             <a:fld id="{B61BEF0D-F0BB-DE4B-95CE-6DB70DBA9567}" type="datetimeFigureOut">
               <a:rPr lang="en-US" dirty="0"/>
               <a:pPr/>
-              <a:t>7/11/2020</a:t>
+              <a:t>7/13/2020</a:t>
             </a:fld>
             <a:endParaRPr lang="en-US" dirty="0"/>
           </a:p>
@@ -1845,7 +1846,7 @@
             <a:fld id="{B61BEF0D-F0BB-DE4B-95CE-6DB70DBA9567}" type="datetimeFigureOut">
               <a:rPr lang="en-US" dirty="0"/>
               <a:pPr/>
-              <a:t>7/11/2020</a:t>
+              <a:t>7/13/2020</a:t>
             </a:fld>
             <a:endParaRPr lang="en-US" dirty="0"/>
           </a:p>
@@ -2144,7 +2145,7 @@
             <a:fld id="{B61BEF0D-F0BB-DE4B-95CE-6DB70DBA9567}" type="datetimeFigureOut">
               <a:rPr lang="en-US" dirty="0"/>
               <a:pPr/>
-              <a:t>7/11/2020</a:t>
+              <a:t>7/13/2020</a:t>
             </a:fld>
             <a:endParaRPr lang="en-US" dirty="0"/>
           </a:p>
@@ -2563,7 +2564,7 @@
             <a:fld id="{B61BEF0D-F0BB-DE4B-95CE-6DB70DBA9567}" type="datetimeFigureOut">
               <a:rPr lang="en-US" dirty="0"/>
               <a:pPr/>
-              <a:t>7/11/2020</a:t>
+              <a:t>7/13/2020</a:t>
             </a:fld>
             <a:endParaRPr lang="en-US" dirty="0"/>
           </a:p>
@@ -2722,7 +2723,7 @@
             <a:fld id="{B61BEF0D-F0BB-DE4B-95CE-6DB70DBA9567}" type="datetimeFigureOut">
               <a:rPr lang="en-US" dirty="0"/>
               <a:pPr/>
-              <a:t>7/11/2020</a:t>
+              <a:t>7/13/2020</a:t>
             </a:fld>
             <a:endParaRPr lang="en-US" dirty="0"/>
           </a:p>
@@ -2814,7 +2815,7 @@
             <a:fld id="{B61BEF0D-F0BB-DE4B-95CE-6DB70DBA9567}" type="datetimeFigureOut">
               <a:rPr lang="en-US" dirty="0"/>
               <a:pPr/>
-              <a:t>7/11/2020</a:t>
+              <a:t>7/13/2020</a:t>
             </a:fld>
             <a:endParaRPr lang="en-US" dirty="0"/>
           </a:p>
@@ -3189,7 +3190,7 @@
             <a:fld id="{B61BEF0D-F0BB-DE4B-95CE-6DB70DBA9567}" type="datetimeFigureOut">
               <a:rPr lang="en-US" dirty="0"/>
               <a:pPr/>
-              <a:t>7/11/2020</a:t>
+              <a:t>7/13/2020</a:t>
             </a:fld>
             <a:endParaRPr lang="en-US" dirty="0"/>
           </a:p>
@@ -3475,7 +3476,7 @@
             <a:fld id="{B61BEF0D-F0BB-DE4B-95CE-6DB70DBA9567}" type="datetimeFigureOut">
               <a:rPr lang="en-US" dirty="0"/>
               <a:pPr/>
-              <a:t>7/11/2020</a:t>
+              <a:t>7/13/2020</a:t>
             </a:fld>
             <a:endParaRPr lang="en-US" dirty="0"/>
           </a:p>
@@ -3683,7 +3684,7 @@
             <a:fld id="{B61BEF0D-F0BB-DE4B-95CE-6DB70DBA9567}" type="datetimeFigureOut">
               <a:rPr lang="en-US" dirty="0"/>
               <a:pPr/>
-              <a:t>7/11/2020</a:t>
+              <a:t>7/13/2020</a:t>
             </a:fld>
             <a:endParaRPr lang="en-US" dirty="0"/>
           </a:p>
@@ -4909,6 +4910,168 @@
           <p:cNvPr id="2" name="Title 1">
             <a:extLst>
               <a:ext uri="{FF2B5EF4-FFF2-40B4-BE49-F238E27FC236}">
+                <a16:creationId xmlns:a16="http://schemas.microsoft.com/office/drawing/2014/main" id="{DFF6A1D3-323D-441F-B31E-F3072F29305C}"/>
+              </a:ext>
+            </a:extLst>
+          </p:cNvPr>
+          <p:cNvSpPr>
+            <a:spLocks noGrp="1"/>
+          </p:cNvSpPr>
+          <p:nvPr>
+            <p:ph type="title"/>
+          </p:nvPr>
+        </p:nvSpPr>
+        <p:spPr/>
+        <p:txBody>
+          <a:bodyPr/>
+          <a:lstStyle/>
+          <a:p>
+            <a:r>
+              <a:rPr lang="en-US" dirty="0"/>
+              <a:t>Results and recommendations</a:t>
+            </a:r>
+          </a:p>
+        </p:txBody>
+      </p:sp>
+      <p:sp>
+        <p:nvSpPr>
+          <p:cNvPr id="3" name="Content Placeholder 2">
+            <a:extLst>
+              <a:ext uri="{FF2B5EF4-FFF2-40B4-BE49-F238E27FC236}">
+                <a16:creationId xmlns:a16="http://schemas.microsoft.com/office/drawing/2014/main" id="{44690848-026F-4A03-AB3A-FAD4F96B76DD}"/>
+              </a:ext>
+            </a:extLst>
+          </p:cNvPr>
+          <p:cNvSpPr>
+            <a:spLocks noGrp="1"/>
+          </p:cNvSpPr>
+          <p:nvPr>
+            <p:ph idx="1"/>
+          </p:nvPr>
+        </p:nvSpPr>
+        <p:spPr>
+          <a:xfrm>
+            <a:off x="581193" y="2180496"/>
+            <a:ext cx="5514808" cy="3678303"/>
+          </a:xfrm>
+        </p:spPr>
+        <p:txBody>
+          <a:bodyPr/>
+          <a:lstStyle/>
+          <a:p>
+            <a:r>
+              <a:rPr lang="en-US" dirty="0"/>
+              <a:t>Intel’s performance and security attributes are seen as more favorable than AMDs </a:t>
+            </a:r>
+          </a:p>
+          <a:p>
+            <a:r>
+              <a:rPr lang="en-US" dirty="0"/>
+              <a:t>But in almost all other attributes (gaming, price, and quality) AMDs products are more favorable</a:t>
+            </a:r>
+          </a:p>
+          <a:p>
+            <a:r>
+              <a:rPr lang="en-US" dirty="0"/>
+              <a:t>RECOMMENDATIONS: </a:t>
+            </a:r>
+          </a:p>
+          <a:p>
+            <a:r>
+              <a:rPr lang="en-US" dirty="0"/>
+              <a:t>1) Market AMD’s Ryzen processors as out competing Intel’s in both price and quality</a:t>
+            </a:r>
+          </a:p>
+          <a:p>
+            <a:r>
+              <a:rPr lang="en-US" dirty="0"/>
+              <a:t>2) Promote difference between AMD and NVIDEA since NVIDEA has poor sentiment regarding multiple attributes </a:t>
+            </a:r>
+          </a:p>
+        </p:txBody>
+      </p:sp>
+      <p:pic>
+        <p:nvPicPr>
+          <p:cNvPr id="2050" name="Picture 2">
+            <a:extLst>
+              <a:ext uri="{FF2B5EF4-FFF2-40B4-BE49-F238E27FC236}">
+                <a16:creationId xmlns:a16="http://schemas.microsoft.com/office/drawing/2014/main" id="{F9138CBC-2D50-440D-A6C3-36567E9982B3}"/>
+              </a:ext>
+            </a:extLst>
+          </p:cNvPr>
+          <p:cNvPicPr>
+            <a:picLocks noChangeAspect="1" noChangeArrowheads="1"/>
+          </p:cNvPicPr>
+          <p:nvPr/>
+        </p:nvPicPr>
+        <p:blipFill>
+          <a:blip r:embed="rId2">
+            <a:extLst>
+              <a:ext uri="{28A0092B-C50C-407E-A947-70E740481C1C}">
+                <a14:useLocalDpi xmlns:a14="http://schemas.microsoft.com/office/drawing/2010/main" val="0"/>
+              </a:ext>
+            </a:extLst>
+          </a:blip>
+          <a:srcRect/>
+          <a:stretch>
+            <a:fillRect/>
+          </a:stretch>
+        </p:blipFill>
+        <p:spPr bwMode="auto">
+          <a:xfrm>
+            <a:off x="7228914" y="2180496"/>
+            <a:ext cx="4239185" cy="3758269"/>
+          </a:xfrm>
+          <a:prstGeom prst="rect">
+            <a:avLst/>
+          </a:prstGeom>
+          <a:noFill/>
+          <a:extLst>
+            <a:ext uri="{909E8E84-426E-40DD-AFC4-6F175D3DCCD1}">
+              <a14:hiddenFill xmlns:a14="http://schemas.microsoft.com/office/drawing/2010/main">
+                <a:solidFill>
+                  <a:srgbClr val="FFFFFF"/>
+                </a:solidFill>
+              </a14:hiddenFill>
+            </a:ext>
+          </a:extLst>
+        </p:spPr>
+      </p:pic>
+    </p:spTree>
+    <p:extLst>
+      <p:ext uri="{BB962C8B-B14F-4D97-AF65-F5344CB8AC3E}">
+        <p14:creationId xmlns:p14="http://schemas.microsoft.com/office/powerpoint/2010/main" val="2350076423"/>
+      </p:ext>
+    </p:extLst>
+  </p:cSld>
+  <p:clrMapOvr>
+    <a:masterClrMapping/>
+  </p:clrMapOvr>
+</p:sld>
+</file>
+
+<file path=ppt/slides/slide11.xml><?xml version="1.0" encoding="utf-8"?>
+<p:sld xmlns:a="http://schemas.openxmlformats.org/drawingml/2006/main" xmlns:r="http://schemas.openxmlformats.org/officeDocument/2006/relationships" xmlns:p="http://schemas.openxmlformats.org/presentationml/2006/main">
+  <p:cSld>
+    <p:spTree>
+      <p:nvGrpSpPr>
+        <p:cNvPr id="1" name=""/>
+        <p:cNvGrpSpPr/>
+        <p:nvPr/>
+      </p:nvGrpSpPr>
+      <p:grpSpPr>
+        <a:xfrm>
+          <a:off x="0" y="0"/>
+          <a:ext cx="0" cy="0"/>
+          <a:chOff x="0" y="0"/>
+          <a:chExt cx="0" cy="0"/>
+        </a:xfrm>
+      </p:grpSpPr>
+      <p:sp>
+        <p:nvSpPr>
+          <p:cNvPr id="2" name="Title 1">
+            <a:extLst>
+              <a:ext uri="{FF2B5EF4-FFF2-40B4-BE49-F238E27FC236}">
                 <a16:creationId xmlns:a16="http://schemas.microsoft.com/office/drawing/2014/main" id="{B08A06D0-BC24-4D7B-A258-1ED7D80EC3E9}"/>
               </a:ext>
             </a:extLst>
@@ -5022,7 +5185,7 @@
           <p:cNvPr id="2" name="Title 1">
             <a:extLst>
               <a:ext uri="{FF2B5EF4-FFF2-40B4-BE49-F238E27FC236}">
-                <a16:creationId xmlns:a16="http://schemas.microsoft.com/office/drawing/2014/main" id="{B63C2D78-C3A3-4AAD-8788-3315D718ABF8}"/>
+                <a16:creationId xmlns:a16="http://schemas.microsoft.com/office/drawing/2014/main" id="{2F61CFD0-239E-4D9D-A7B8-7E2E40742A94}"/>
               </a:ext>
             </a:extLst>
           </p:cNvPr>
@@ -5040,7 +5203,7 @@
           <a:p>
             <a:r>
               <a:rPr lang="en-US" dirty="0"/>
-              <a:t>Data Sources and Preprocessing</a:t>
+              <a:t>Road Map</a:t>
             </a:r>
           </a:p>
         </p:txBody>
@@ -5050,7 +5213,7 @@
           <p:cNvPr id="3" name="Content Placeholder 2">
             <a:extLst>
               <a:ext uri="{FF2B5EF4-FFF2-40B4-BE49-F238E27FC236}">
-                <a16:creationId xmlns:a16="http://schemas.microsoft.com/office/drawing/2014/main" id="{959A87A0-9213-430D-8234-834B23DDBF2D}"/>
+                <a16:creationId xmlns:a16="http://schemas.microsoft.com/office/drawing/2014/main" id="{5D62253F-B238-467A-B0B6-7D2F97EB0ED5}"/>
               </a:ext>
             </a:extLst>
           </p:cNvPr>
@@ -5070,44 +5233,39 @@
           <a:p>
             <a:r>
               <a:rPr lang="en-US" sz="2800" dirty="0"/>
-              <a:t>Scraped ~16,000 tweets from twitter using key word search and python</a:t>
+              <a:t>1) Data Sources and Preprocessing</a:t>
             </a:r>
           </a:p>
           <a:p>
             <a:r>
               <a:rPr lang="en-US" sz="2800" dirty="0"/>
-              <a:t>Key words included: CPU, GPU, processors, PC, and APU</a:t>
+              <a:t>2) Lift Analysis of Brands</a:t>
             </a:r>
           </a:p>
           <a:p>
             <a:r>
               <a:rPr lang="en-US" sz="2800" dirty="0"/>
-              <a:t>Time range spanned from 2007 to 2020 with over ~10,000 being from past week</a:t>
+              <a:t>3) Lift Analysis of Major Attributes of Brands</a:t>
             </a:r>
           </a:p>
           <a:p>
             <a:r>
               <a:rPr lang="en-US" sz="2800" dirty="0"/>
-              <a:t>Preprocessing included: tokenization, lemmatization, and removing stop-words/punctuation using the </a:t>
-            </a:r>
-            <a:r>
-              <a:rPr lang="en-US" sz="2800" dirty="0" err="1"/>
-              <a:t>nltk</a:t>
-            </a:r>
+              <a:t>4) Sentiment Analysis</a:t>
+            </a:r>
+          </a:p>
+          <a:p>
             <a:r>
               <a:rPr lang="en-US" sz="2800" dirty="0"/>
-              <a:t> python package</a:t>
-            </a:r>
-          </a:p>
-          <a:p>
-            <a:endParaRPr lang="en-US" sz="2800" dirty="0"/>
+              <a:t>5) Summary and Results</a:t>
+            </a:r>
           </a:p>
         </p:txBody>
       </p:sp>
     </p:spTree>
     <p:extLst>
       <p:ext uri="{BB962C8B-B14F-4D97-AF65-F5344CB8AC3E}">
-        <p14:creationId xmlns:p14="http://schemas.microsoft.com/office/powerpoint/2010/main" val="3829415339"/>
+        <p14:creationId xmlns:p14="http://schemas.microsoft.com/office/powerpoint/2010/main" val="2342529781"/>
       </p:ext>
     </p:extLst>
   </p:cSld>
@@ -5139,7 +5297,7 @@
           <p:cNvPr id="2" name="Title 1">
             <a:extLst>
               <a:ext uri="{FF2B5EF4-FFF2-40B4-BE49-F238E27FC236}">
-                <a16:creationId xmlns:a16="http://schemas.microsoft.com/office/drawing/2014/main" id="{EEE08D11-3BBF-434E-85EF-7A2BB65BAA6F}"/>
+                <a16:creationId xmlns:a16="http://schemas.microsoft.com/office/drawing/2014/main" id="{B63C2D78-C3A3-4AAD-8788-3315D718ABF8}"/>
               </a:ext>
             </a:extLst>
           </p:cNvPr>
@@ -5157,7 +5315,7 @@
           <a:p>
             <a:r>
               <a:rPr lang="en-US" dirty="0"/>
-              <a:t>Lift (association) Ratio between brands</a:t>
+              <a:t>Data Sources and Preprocessing</a:t>
             </a:r>
           </a:p>
         </p:txBody>
@@ -5167,7 +5325,7 @@
           <p:cNvPr id="3" name="Content Placeholder 2">
             <a:extLst>
               <a:ext uri="{FF2B5EF4-FFF2-40B4-BE49-F238E27FC236}">
-                <a16:creationId xmlns:a16="http://schemas.microsoft.com/office/drawing/2014/main" id="{DE8C4FFD-A4FA-4CEA-A586-F8C382456E2D}"/>
+                <a16:creationId xmlns:a16="http://schemas.microsoft.com/office/drawing/2014/main" id="{959A87A0-9213-430D-8234-834B23DDBF2D}"/>
               </a:ext>
             </a:extLst>
           </p:cNvPr>
@@ -5178,134 +5336,53 @@
             <p:ph idx="1"/>
           </p:nvPr>
         </p:nvSpPr>
-        <p:spPr>
-          <a:xfrm>
-            <a:off x="988303" y="3527585"/>
-            <a:ext cx="5000458" cy="2739147"/>
-          </a:xfrm>
-        </p:spPr>
+        <p:spPr/>
         <p:txBody>
           <a:bodyPr>
-            <a:normAutofit fontScale="92500"/>
+            <a:normAutofit/>
           </a:bodyPr>
           <a:lstStyle/>
           <a:p>
             <a:r>
-              <a:rPr lang="en-US" sz="2400" dirty="0"/>
-              <a:t>A lift &gt; 1 means there is an association</a:t>
-            </a:r>
-          </a:p>
-          <a:p>
-            <a:r>
-              <a:rPr lang="en-US" sz="2400" dirty="0"/>
-              <a:t>Lift &gt; 10 means the two words are synonymous</a:t>
-            </a:r>
-          </a:p>
-          <a:p>
-            <a:r>
-              <a:rPr lang="en-US" sz="2400" dirty="0"/>
-              <a:t>AMD is synonymous with NVIDEA and AMD is more associated with Intel than Intel is with NVIDEA</a:t>
-            </a:r>
-          </a:p>
-          <a:p>
-            <a:endParaRPr lang="en-US" sz="2400" dirty="0"/>
-          </a:p>
-        </p:txBody>
-      </p:sp>
-      <p:pic>
-        <p:nvPicPr>
-          <p:cNvPr id="5" name="Picture 4">
-            <a:extLst>
-              <a:ext uri="{FF2B5EF4-FFF2-40B4-BE49-F238E27FC236}">
-                <a16:creationId xmlns:a16="http://schemas.microsoft.com/office/drawing/2014/main" id="{1EDA4B4F-C58C-44F1-B3DC-07830452BFE0}"/>
-              </a:ext>
-            </a:extLst>
-          </p:cNvPr>
-          <p:cNvPicPr>
-            <a:picLocks noChangeAspect="1"/>
-          </p:cNvPicPr>
-          <p:nvPr/>
-        </p:nvPicPr>
-        <p:blipFill>
-          <a:blip r:embed="rId2"/>
-          <a:stretch>
-            <a:fillRect/>
-          </a:stretch>
-        </p:blipFill>
-        <p:spPr>
-          <a:xfrm>
-            <a:off x="6507958" y="3472324"/>
-            <a:ext cx="4891088" cy="2434707"/>
-          </a:xfrm>
-          <a:prstGeom prst="rect">
-            <a:avLst/>
-          </a:prstGeom>
-        </p:spPr>
-      </p:pic>
-      <p:pic>
-        <p:nvPicPr>
-          <p:cNvPr id="7" name="Picture 6">
-            <a:extLst>
-              <a:ext uri="{FF2B5EF4-FFF2-40B4-BE49-F238E27FC236}">
-                <a16:creationId xmlns:a16="http://schemas.microsoft.com/office/drawing/2014/main" id="{8DB4F301-AB1D-42D8-953B-B6989CC793D4}"/>
-              </a:ext>
-            </a:extLst>
-          </p:cNvPr>
-          <p:cNvPicPr>
-            <a:picLocks noChangeAspect="1"/>
-          </p:cNvPicPr>
-          <p:nvPr/>
-        </p:nvPicPr>
-        <p:blipFill>
-          <a:blip r:embed="rId3"/>
-          <a:stretch>
-            <a:fillRect/>
-          </a:stretch>
-        </p:blipFill>
-        <p:spPr>
-          <a:xfrm>
-            <a:off x="6610352" y="1955501"/>
-            <a:ext cx="4686300" cy="1308512"/>
-          </a:xfrm>
-          <a:prstGeom prst="rect">
-            <a:avLst/>
-          </a:prstGeom>
-        </p:spPr>
-      </p:pic>
-      <p:pic>
-        <p:nvPicPr>
-          <p:cNvPr id="9" name="Picture 8">
-            <a:extLst>
-              <a:ext uri="{FF2B5EF4-FFF2-40B4-BE49-F238E27FC236}">
-                <a16:creationId xmlns:a16="http://schemas.microsoft.com/office/drawing/2014/main" id="{CE8B96F7-3DC8-4596-B93A-728DEF32E75E}"/>
-              </a:ext>
-            </a:extLst>
-          </p:cNvPr>
-          <p:cNvPicPr>
-            <a:picLocks noChangeAspect="1"/>
-          </p:cNvPicPr>
-          <p:nvPr/>
-        </p:nvPicPr>
-        <p:blipFill>
-          <a:blip r:embed="rId4"/>
-          <a:stretch>
-            <a:fillRect/>
-          </a:stretch>
-        </p:blipFill>
-        <p:spPr>
-          <a:xfrm>
-            <a:off x="766763" y="2099862"/>
-            <a:ext cx="5443538" cy="1019790"/>
-          </a:xfrm>
-          <a:prstGeom prst="rect">
-            <a:avLst/>
-          </a:prstGeom>
-        </p:spPr>
-      </p:pic>
+              <a:rPr lang="en-US" sz="2800" dirty="0"/>
+              <a:t>Scraped ~16,000 tweets from twitter using key word search and python</a:t>
+            </a:r>
+          </a:p>
+          <a:p>
+            <a:r>
+              <a:rPr lang="en-US" sz="2800" dirty="0"/>
+              <a:t>Key words included: CPU, GPU, processors, PC, and APU</a:t>
+            </a:r>
+          </a:p>
+          <a:p>
+            <a:r>
+              <a:rPr lang="en-US" sz="2800" dirty="0"/>
+              <a:t>Time range spanned from 2007 to 2020 with over ~10,000 being from past week</a:t>
+            </a:r>
+          </a:p>
+          <a:p>
+            <a:r>
+              <a:rPr lang="en-US" sz="2800" dirty="0"/>
+              <a:t>Preprocessing included: tokenization, lemmatization, and removing stop-words/punctuation using the </a:t>
+            </a:r>
+            <a:r>
+              <a:rPr lang="en-US" sz="2800" dirty="0" err="1"/>
+              <a:t>nltk</a:t>
+            </a:r>
+            <a:r>
+              <a:rPr lang="en-US" sz="2800" dirty="0"/>
+              <a:t> python package</a:t>
+            </a:r>
+          </a:p>
+          <a:p>
+            <a:endParaRPr lang="en-US" sz="2800" dirty="0"/>
+          </a:p>
+        </p:txBody>
+      </p:sp>
     </p:spTree>
     <p:extLst>
       <p:ext uri="{BB962C8B-B14F-4D97-AF65-F5344CB8AC3E}">
-        <p14:creationId xmlns:p14="http://schemas.microsoft.com/office/powerpoint/2010/main" val="334946070"/>
+        <p14:creationId xmlns:p14="http://schemas.microsoft.com/office/powerpoint/2010/main" val="3829415339"/>
       </p:ext>
     </p:extLst>
   </p:cSld>
@@ -5337,6 +5414,204 @@
           <p:cNvPr id="2" name="Title 1">
             <a:extLst>
               <a:ext uri="{FF2B5EF4-FFF2-40B4-BE49-F238E27FC236}">
+                <a16:creationId xmlns:a16="http://schemas.microsoft.com/office/drawing/2014/main" id="{EEE08D11-3BBF-434E-85EF-7A2BB65BAA6F}"/>
+              </a:ext>
+            </a:extLst>
+          </p:cNvPr>
+          <p:cNvSpPr>
+            <a:spLocks noGrp="1"/>
+          </p:cNvSpPr>
+          <p:nvPr>
+            <p:ph type="title"/>
+          </p:nvPr>
+        </p:nvSpPr>
+        <p:spPr/>
+        <p:txBody>
+          <a:bodyPr/>
+          <a:lstStyle/>
+          <a:p>
+            <a:r>
+              <a:rPr lang="en-US" dirty="0"/>
+              <a:t>Lift (association) Ratio between brands</a:t>
+            </a:r>
+          </a:p>
+        </p:txBody>
+      </p:sp>
+      <p:sp>
+        <p:nvSpPr>
+          <p:cNvPr id="3" name="Content Placeholder 2">
+            <a:extLst>
+              <a:ext uri="{FF2B5EF4-FFF2-40B4-BE49-F238E27FC236}">
+                <a16:creationId xmlns:a16="http://schemas.microsoft.com/office/drawing/2014/main" id="{DE8C4FFD-A4FA-4CEA-A586-F8C382456E2D}"/>
+              </a:ext>
+            </a:extLst>
+          </p:cNvPr>
+          <p:cNvSpPr>
+            <a:spLocks noGrp="1"/>
+          </p:cNvSpPr>
+          <p:nvPr>
+            <p:ph idx="1"/>
+          </p:nvPr>
+        </p:nvSpPr>
+        <p:spPr>
+          <a:xfrm>
+            <a:off x="988303" y="3527585"/>
+            <a:ext cx="5000458" cy="2739147"/>
+          </a:xfrm>
+        </p:spPr>
+        <p:txBody>
+          <a:bodyPr>
+            <a:normAutofit fontScale="92500"/>
+          </a:bodyPr>
+          <a:lstStyle/>
+          <a:p>
+            <a:r>
+              <a:rPr lang="en-US" sz="2400" dirty="0"/>
+              <a:t>A lift &gt; 1 means there is an association</a:t>
+            </a:r>
+          </a:p>
+          <a:p>
+            <a:r>
+              <a:rPr lang="en-US" sz="2400" dirty="0"/>
+              <a:t>Lift &gt; 10 means the two words are synonymous</a:t>
+            </a:r>
+          </a:p>
+          <a:p>
+            <a:r>
+              <a:rPr lang="en-US" sz="2400" dirty="0"/>
+              <a:t>AMD is synonymous with NVIDEA and AMD is more associated with Intel than Intel is with NVIDEA</a:t>
+            </a:r>
+          </a:p>
+          <a:p>
+            <a:endParaRPr lang="en-US" sz="2400" dirty="0"/>
+          </a:p>
+        </p:txBody>
+      </p:sp>
+      <p:pic>
+        <p:nvPicPr>
+          <p:cNvPr id="5" name="Picture 4">
+            <a:extLst>
+              <a:ext uri="{FF2B5EF4-FFF2-40B4-BE49-F238E27FC236}">
+                <a16:creationId xmlns:a16="http://schemas.microsoft.com/office/drawing/2014/main" id="{1EDA4B4F-C58C-44F1-B3DC-07830452BFE0}"/>
+              </a:ext>
+            </a:extLst>
+          </p:cNvPr>
+          <p:cNvPicPr>
+            <a:picLocks noChangeAspect="1"/>
+          </p:cNvPicPr>
+          <p:nvPr/>
+        </p:nvPicPr>
+        <p:blipFill>
+          <a:blip r:embed="rId2"/>
+          <a:stretch>
+            <a:fillRect/>
+          </a:stretch>
+        </p:blipFill>
+        <p:spPr>
+          <a:xfrm>
+            <a:off x="6507958" y="3472324"/>
+            <a:ext cx="4891088" cy="2434707"/>
+          </a:xfrm>
+          <a:prstGeom prst="rect">
+            <a:avLst/>
+          </a:prstGeom>
+        </p:spPr>
+      </p:pic>
+      <p:pic>
+        <p:nvPicPr>
+          <p:cNvPr id="7" name="Picture 6">
+            <a:extLst>
+              <a:ext uri="{FF2B5EF4-FFF2-40B4-BE49-F238E27FC236}">
+                <a16:creationId xmlns:a16="http://schemas.microsoft.com/office/drawing/2014/main" id="{8DB4F301-AB1D-42D8-953B-B6989CC793D4}"/>
+              </a:ext>
+            </a:extLst>
+          </p:cNvPr>
+          <p:cNvPicPr>
+            <a:picLocks noChangeAspect="1"/>
+          </p:cNvPicPr>
+          <p:nvPr/>
+        </p:nvPicPr>
+        <p:blipFill>
+          <a:blip r:embed="rId3"/>
+          <a:stretch>
+            <a:fillRect/>
+          </a:stretch>
+        </p:blipFill>
+        <p:spPr>
+          <a:xfrm>
+            <a:off x="6610352" y="1955501"/>
+            <a:ext cx="4686300" cy="1308512"/>
+          </a:xfrm>
+          <a:prstGeom prst="rect">
+            <a:avLst/>
+          </a:prstGeom>
+        </p:spPr>
+      </p:pic>
+      <p:pic>
+        <p:nvPicPr>
+          <p:cNvPr id="9" name="Picture 8">
+            <a:extLst>
+              <a:ext uri="{FF2B5EF4-FFF2-40B4-BE49-F238E27FC236}">
+                <a16:creationId xmlns:a16="http://schemas.microsoft.com/office/drawing/2014/main" id="{CE8B96F7-3DC8-4596-B93A-728DEF32E75E}"/>
+              </a:ext>
+            </a:extLst>
+          </p:cNvPr>
+          <p:cNvPicPr>
+            <a:picLocks noChangeAspect="1"/>
+          </p:cNvPicPr>
+          <p:nvPr/>
+        </p:nvPicPr>
+        <p:blipFill>
+          <a:blip r:embed="rId4"/>
+          <a:stretch>
+            <a:fillRect/>
+          </a:stretch>
+        </p:blipFill>
+        <p:spPr>
+          <a:xfrm>
+            <a:off x="766763" y="2099862"/>
+            <a:ext cx="5443538" cy="1019790"/>
+          </a:xfrm>
+          <a:prstGeom prst="rect">
+            <a:avLst/>
+          </a:prstGeom>
+        </p:spPr>
+      </p:pic>
+    </p:spTree>
+    <p:extLst>
+      <p:ext uri="{BB962C8B-B14F-4D97-AF65-F5344CB8AC3E}">
+        <p14:creationId xmlns:p14="http://schemas.microsoft.com/office/powerpoint/2010/main" val="334946070"/>
+      </p:ext>
+    </p:extLst>
+  </p:cSld>
+  <p:clrMapOvr>
+    <a:masterClrMapping/>
+  </p:clrMapOvr>
+</p:sld>
+</file>
+
+<file path=ppt/slides/slide5.xml><?xml version="1.0" encoding="utf-8"?>
+<p:sld xmlns:a="http://schemas.openxmlformats.org/drawingml/2006/main" xmlns:r="http://schemas.openxmlformats.org/officeDocument/2006/relationships" xmlns:p="http://schemas.openxmlformats.org/presentationml/2006/main">
+  <p:cSld>
+    <p:spTree>
+      <p:nvGrpSpPr>
+        <p:cNvPr id="1" name=""/>
+        <p:cNvGrpSpPr/>
+        <p:nvPr/>
+      </p:nvGrpSpPr>
+      <p:grpSpPr>
+        <a:xfrm>
+          <a:off x="0" y="0"/>
+          <a:ext cx="0" cy="0"/>
+          <a:chOff x="0" y="0"/>
+          <a:chExt cx="0" cy="0"/>
+        </a:xfrm>
+      </p:grpSpPr>
+      <p:sp>
+        <p:nvSpPr>
+          <p:cNvPr id="2" name="Title 1">
+            <a:extLst>
+              <a:ext uri="{FF2B5EF4-FFF2-40B4-BE49-F238E27FC236}">
                 <a16:creationId xmlns:a16="http://schemas.microsoft.com/office/drawing/2014/main" id="{E6C5A009-89CD-40F1-BD15-CDBF73424EA0}"/>
               </a:ext>
             </a:extLst>
@@ -5475,7 +5750,7 @@
 </p:sld>
 </file>
 
-<file path=ppt/slides/slide5.xml><?xml version="1.0" encoding="utf-8"?>
+<file path=ppt/slides/slide6.xml><?xml version="1.0" encoding="utf-8"?>
 <p:sld xmlns:a="http://schemas.openxmlformats.org/drawingml/2006/main" xmlns:r="http://schemas.openxmlformats.org/officeDocument/2006/relationships" xmlns:p="http://schemas.openxmlformats.org/presentationml/2006/main">
   <p:cSld>
     <p:bg>
@@ -5974,104 +6249,6 @@
     <p:extLst>
       <p:ext uri="{BB962C8B-B14F-4D97-AF65-F5344CB8AC3E}">
         <p14:creationId xmlns:p14="http://schemas.microsoft.com/office/powerpoint/2010/main" val="691789666"/>
-      </p:ext>
-    </p:extLst>
-  </p:cSld>
-  <p:clrMapOvr>
-    <a:masterClrMapping/>
-  </p:clrMapOvr>
-</p:sld>
-</file>
-
-<file path=ppt/slides/slide6.xml><?xml version="1.0" encoding="utf-8"?>
-<p:sld xmlns:a="http://schemas.openxmlformats.org/drawingml/2006/main" xmlns:r="http://schemas.openxmlformats.org/officeDocument/2006/relationships" xmlns:p="http://schemas.openxmlformats.org/presentationml/2006/main">
-  <p:cSld>
-    <p:spTree>
-      <p:nvGrpSpPr>
-        <p:cNvPr id="1" name=""/>
-        <p:cNvGrpSpPr/>
-        <p:nvPr/>
-      </p:nvGrpSpPr>
-      <p:grpSpPr>
-        <a:xfrm>
-          <a:off x="0" y="0"/>
-          <a:ext cx="0" cy="0"/>
-          <a:chOff x="0" y="0"/>
-          <a:chExt cx="0" cy="0"/>
-        </a:xfrm>
-      </p:grpSpPr>
-      <p:sp>
-        <p:nvSpPr>
-          <p:cNvPr id="2" name="Title 1">
-            <a:extLst>
-              <a:ext uri="{FF2B5EF4-FFF2-40B4-BE49-F238E27FC236}">
-                <a16:creationId xmlns:a16="http://schemas.microsoft.com/office/drawing/2014/main" id="{7903815F-3D90-4274-A3FA-0100B63AD08F}"/>
-              </a:ext>
-            </a:extLst>
-          </p:cNvPr>
-          <p:cNvSpPr>
-            <a:spLocks noGrp="1"/>
-          </p:cNvSpPr>
-          <p:nvPr>
-            <p:ph type="title"/>
-          </p:nvPr>
-        </p:nvSpPr>
-        <p:spPr/>
-        <p:txBody>
-          <a:bodyPr/>
-          <a:lstStyle/>
-          <a:p>
-            <a:r>
-              <a:rPr lang="en-US" dirty="0"/>
-              <a:t>Sentiment (emotion) Analysis if Brands</a:t>
-            </a:r>
-          </a:p>
-        </p:txBody>
-      </p:sp>
-      <p:sp>
-        <p:nvSpPr>
-          <p:cNvPr id="3" name="Content Placeholder 2">
-            <a:extLst>
-              <a:ext uri="{FF2B5EF4-FFF2-40B4-BE49-F238E27FC236}">
-                <a16:creationId xmlns:a16="http://schemas.microsoft.com/office/drawing/2014/main" id="{52F03B0E-75B8-40C1-ADEA-D57DCE01EA50}"/>
-              </a:ext>
-            </a:extLst>
-          </p:cNvPr>
-          <p:cNvSpPr>
-            <a:spLocks noGrp="1"/>
-          </p:cNvSpPr>
-          <p:nvPr>
-            <p:ph idx="1"/>
-          </p:nvPr>
-        </p:nvSpPr>
-        <p:spPr/>
-        <p:txBody>
-          <a:bodyPr/>
-          <a:lstStyle/>
-          <a:p>
-            <a:r>
-              <a:rPr lang="en-US" dirty="0"/>
-              <a:t>Sentiment Analysis is simply the process of working out (statistically) whether a piece of text is positive, negative or neutral.</a:t>
-            </a:r>
-          </a:p>
-          <a:p>
-            <a:r>
-              <a:rPr lang="en-US" dirty="0"/>
-              <a:t>Each of the words in the lexicon (vocabulary) is rated as to whether it is positive or negative, and in many cases, how positive or negative</a:t>
-            </a:r>
-          </a:p>
-          <a:p>
-            <a:r>
-              <a:rPr lang="en-US" dirty="0"/>
-              <a:t>So for each overall attribute, each Brand will have a positive or negative score</a:t>
-            </a:r>
-          </a:p>
-        </p:txBody>
-      </p:sp>
-    </p:spTree>
-    <p:extLst>
-      <p:ext uri="{BB962C8B-B14F-4D97-AF65-F5344CB8AC3E}">
-        <p14:creationId xmlns:p14="http://schemas.microsoft.com/office/powerpoint/2010/main" val="4088889213"/>
       </p:ext>
     </p:extLst>
   </p:cSld>
@@ -6103,6 +6280,104 @@
           <p:cNvPr id="2" name="Title 1">
             <a:extLst>
               <a:ext uri="{FF2B5EF4-FFF2-40B4-BE49-F238E27FC236}">
+                <a16:creationId xmlns:a16="http://schemas.microsoft.com/office/drawing/2014/main" id="{7903815F-3D90-4274-A3FA-0100B63AD08F}"/>
+              </a:ext>
+            </a:extLst>
+          </p:cNvPr>
+          <p:cNvSpPr>
+            <a:spLocks noGrp="1"/>
+          </p:cNvSpPr>
+          <p:nvPr>
+            <p:ph type="title"/>
+          </p:nvPr>
+        </p:nvSpPr>
+        <p:spPr/>
+        <p:txBody>
+          <a:bodyPr/>
+          <a:lstStyle/>
+          <a:p>
+            <a:r>
+              <a:rPr lang="en-US" dirty="0"/>
+              <a:t>Sentiment (emotion) Analysis of Brands</a:t>
+            </a:r>
+          </a:p>
+        </p:txBody>
+      </p:sp>
+      <p:sp>
+        <p:nvSpPr>
+          <p:cNvPr id="3" name="Content Placeholder 2">
+            <a:extLst>
+              <a:ext uri="{FF2B5EF4-FFF2-40B4-BE49-F238E27FC236}">
+                <a16:creationId xmlns:a16="http://schemas.microsoft.com/office/drawing/2014/main" id="{52F03B0E-75B8-40C1-ADEA-D57DCE01EA50}"/>
+              </a:ext>
+            </a:extLst>
+          </p:cNvPr>
+          <p:cNvSpPr>
+            <a:spLocks noGrp="1"/>
+          </p:cNvSpPr>
+          <p:nvPr>
+            <p:ph idx="1"/>
+          </p:nvPr>
+        </p:nvSpPr>
+        <p:spPr/>
+        <p:txBody>
+          <a:bodyPr/>
+          <a:lstStyle/>
+          <a:p>
+            <a:r>
+              <a:rPr lang="en-US" dirty="0"/>
+              <a:t>Sentiment Analysis is simply the process of working out (statistically) whether a piece of text is positive, negative or neutral.</a:t>
+            </a:r>
+          </a:p>
+          <a:p>
+            <a:r>
+              <a:rPr lang="en-US" dirty="0"/>
+              <a:t>Each of the words in the lexicon (vocabulary) is rated as to whether it is positive or negative, and in many cases, how positive or negative</a:t>
+            </a:r>
+          </a:p>
+          <a:p>
+            <a:r>
+              <a:rPr lang="en-US" dirty="0"/>
+              <a:t>So for each overall attribute, each Brand will have a positive or negative score</a:t>
+            </a:r>
+          </a:p>
+        </p:txBody>
+      </p:sp>
+    </p:spTree>
+    <p:extLst>
+      <p:ext uri="{BB962C8B-B14F-4D97-AF65-F5344CB8AC3E}">
+        <p14:creationId xmlns:p14="http://schemas.microsoft.com/office/powerpoint/2010/main" val="4088889213"/>
+      </p:ext>
+    </p:extLst>
+  </p:cSld>
+  <p:clrMapOvr>
+    <a:masterClrMapping/>
+  </p:clrMapOvr>
+</p:sld>
+</file>
+
+<file path=ppt/slides/slide8.xml><?xml version="1.0" encoding="utf-8"?>
+<p:sld xmlns:a="http://schemas.openxmlformats.org/drawingml/2006/main" xmlns:r="http://schemas.openxmlformats.org/officeDocument/2006/relationships" xmlns:p="http://schemas.openxmlformats.org/presentationml/2006/main">
+  <p:cSld>
+    <p:spTree>
+      <p:nvGrpSpPr>
+        <p:cNvPr id="1" name=""/>
+        <p:cNvGrpSpPr/>
+        <p:nvPr/>
+      </p:nvGrpSpPr>
+      <p:grpSpPr>
+        <a:xfrm>
+          <a:off x="0" y="0"/>
+          <a:ext cx="0" cy="0"/>
+          <a:chOff x="0" y="0"/>
+          <a:chExt cx="0" cy="0"/>
+        </a:xfrm>
+      </p:grpSpPr>
+      <p:sp>
+        <p:nvSpPr>
+          <p:cNvPr id="2" name="Title 1">
+            <a:extLst>
+              <a:ext uri="{FF2B5EF4-FFF2-40B4-BE49-F238E27FC236}">
                 <a16:creationId xmlns:a16="http://schemas.microsoft.com/office/drawing/2014/main" id="{9C74E9D1-606D-416D-91BB-A31B12BCD30D}"/>
               </a:ext>
             </a:extLst>
@@ -6225,7 +6500,7 @@
 </p:sld>
 </file>
 
-<file path=ppt/slides/slide8.xml><?xml version="1.0" encoding="utf-8"?>
+<file path=ppt/slides/slide9.xml><?xml version="1.0" encoding="utf-8"?>
 <p:sld xmlns:a="http://schemas.openxmlformats.org/drawingml/2006/main" xmlns:r="http://schemas.openxmlformats.org/officeDocument/2006/relationships" xmlns:p="http://schemas.openxmlformats.org/presentationml/2006/main">
   <p:cSld>
     <p:bg>
@@ -6712,168 +6987,6 @@
     <p:extLst>
       <p:ext uri="{BB962C8B-B14F-4D97-AF65-F5344CB8AC3E}">
         <p14:creationId xmlns:p14="http://schemas.microsoft.com/office/powerpoint/2010/main" val="779492115"/>
-      </p:ext>
-    </p:extLst>
-  </p:cSld>
-  <p:clrMapOvr>
-    <a:masterClrMapping/>
-  </p:clrMapOvr>
-</p:sld>
-</file>
-
-<file path=ppt/slides/slide9.xml><?xml version="1.0" encoding="utf-8"?>
-<p:sld xmlns:a="http://schemas.openxmlformats.org/drawingml/2006/main" xmlns:r="http://schemas.openxmlformats.org/officeDocument/2006/relationships" xmlns:p="http://schemas.openxmlformats.org/presentationml/2006/main">
-  <p:cSld>
-    <p:spTree>
-      <p:nvGrpSpPr>
-        <p:cNvPr id="1" name=""/>
-        <p:cNvGrpSpPr/>
-        <p:nvPr/>
-      </p:nvGrpSpPr>
-      <p:grpSpPr>
-        <a:xfrm>
-          <a:off x="0" y="0"/>
-          <a:ext cx="0" cy="0"/>
-          <a:chOff x="0" y="0"/>
-          <a:chExt cx="0" cy="0"/>
-        </a:xfrm>
-      </p:grpSpPr>
-      <p:sp>
-        <p:nvSpPr>
-          <p:cNvPr id="2" name="Title 1">
-            <a:extLst>
-              <a:ext uri="{FF2B5EF4-FFF2-40B4-BE49-F238E27FC236}">
-                <a16:creationId xmlns:a16="http://schemas.microsoft.com/office/drawing/2014/main" id="{DFF6A1D3-323D-441F-B31E-F3072F29305C}"/>
-              </a:ext>
-            </a:extLst>
-          </p:cNvPr>
-          <p:cNvSpPr>
-            <a:spLocks noGrp="1"/>
-          </p:cNvSpPr>
-          <p:nvPr>
-            <p:ph type="title"/>
-          </p:nvPr>
-        </p:nvSpPr>
-        <p:spPr/>
-        <p:txBody>
-          <a:bodyPr/>
-          <a:lstStyle/>
-          <a:p>
-            <a:r>
-              <a:rPr lang="en-US" dirty="0"/>
-              <a:t>Results and recommendations</a:t>
-            </a:r>
-          </a:p>
-        </p:txBody>
-      </p:sp>
-      <p:sp>
-        <p:nvSpPr>
-          <p:cNvPr id="3" name="Content Placeholder 2">
-            <a:extLst>
-              <a:ext uri="{FF2B5EF4-FFF2-40B4-BE49-F238E27FC236}">
-                <a16:creationId xmlns:a16="http://schemas.microsoft.com/office/drawing/2014/main" id="{44690848-026F-4A03-AB3A-FAD4F96B76DD}"/>
-              </a:ext>
-            </a:extLst>
-          </p:cNvPr>
-          <p:cNvSpPr>
-            <a:spLocks noGrp="1"/>
-          </p:cNvSpPr>
-          <p:nvPr>
-            <p:ph idx="1"/>
-          </p:nvPr>
-        </p:nvSpPr>
-        <p:spPr>
-          <a:xfrm>
-            <a:off x="581193" y="2180496"/>
-            <a:ext cx="5514808" cy="3678303"/>
-          </a:xfrm>
-        </p:spPr>
-        <p:txBody>
-          <a:bodyPr/>
-          <a:lstStyle/>
-          <a:p>
-            <a:r>
-              <a:rPr lang="en-US" dirty="0"/>
-              <a:t>Intel’s performance and security attributes are seen as more favorable than AMDs </a:t>
-            </a:r>
-          </a:p>
-          <a:p>
-            <a:r>
-              <a:rPr lang="en-US" dirty="0"/>
-              <a:t>But in almost all other attributes (gaming, price, and quality) AMDs products are more favorable</a:t>
-            </a:r>
-          </a:p>
-          <a:p>
-            <a:r>
-              <a:rPr lang="en-US" dirty="0"/>
-              <a:t>RECOMMENDATIONS: </a:t>
-            </a:r>
-          </a:p>
-          <a:p>
-            <a:r>
-              <a:rPr lang="en-US" dirty="0"/>
-              <a:t>1) Market AMD’s Ryzen processors as out competing Intel’s in both price and quality</a:t>
-            </a:r>
-          </a:p>
-          <a:p>
-            <a:r>
-              <a:rPr lang="en-US" dirty="0"/>
-              <a:t>2) Promote difference between AMD and NVIDEA since NVIDEA has poor sentiment regarding multiple attributes </a:t>
-            </a:r>
-          </a:p>
-        </p:txBody>
-      </p:sp>
-      <p:pic>
-        <p:nvPicPr>
-          <p:cNvPr id="2050" name="Picture 2">
-            <a:extLst>
-              <a:ext uri="{FF2B5EF4-FFF2-40B4-BE49-F238E27FC236}">
-                <a16:creationId xmlns:a16="http://schemas.microsoft.com/office/drawing/2014/main" id="{F9138CBC-2D50-440D-A6C3-36567E9982B3}"/>
-              </a:ext>
-            </a:extLst>
-          </p:cNvPr>
-          <p:cNvPicPr>
-            <a:picLocks noChangeAspect="1" noChangeArrowheads="1"/>
-          </p:cNvPicPr>
-          <p:nvPr/>
-        </p:nvPicPr>
-        <p:blipFill>
-          <a:blip r:embed="rId2">
-            <a:extLst>
-              <a:ext uri="{28A0092B-C50C-407E-A947-70E740481C1C}">
-                <a14:useLocalDpi xmlns:a14="http://schemas.microsoft.com/office/drawing/2010/main" val="0"/>
-              </a:ext>
-            </a:extLst>
-          </a:blip>
-          <a:srcRect/>
-          <a:stretch>
-            <a:fillRect/>
-          </a:stretch>
-        </p:blipFill>
-        <p:spPr bwMode="auto">
-          <a:xfrm>
-            <a:off x="7228914" y="2180496"/>
-            <a:ext cx="4239185" cy="3758269"/>
-          </a:xfrm>
-          <a:prstGeom prst="rect">
-            <a:avLst/>
-          </a:prstGeom>
-          <a:noFill/>
-          <a:extLst>
-            <a:ext uri="{909E8E84-426E-40DD-AFC4-6F175D3DCCD1}">
-              <a14:hiddenFill xmlns:a14="http://schemas.microsoft.com/office/drawing/2010/main">
-                <a:solidFill>
-                  <a:srgbClr val="FFFFFF"/>
-                </a:solidFill>
-              </a14:hiddenFill>
-            </a:ext>
-          </a:extLst>
-        </p:spPr>
-      </p:pic>
-    </p:spTree>
-    <p:extLst>
-      <p:ext uri="{BB962C8B-B14F-4D97-AF65-F5344CB8AC3E}">
-        <p14:creationId xmlns:p14="http://schemas.microsoft.com/office/powerpoint/2010/main" val="2350076423"/>
       </p:ext>
     </p:extLst>
   </p:cSld>
